--- a/dapr1_lectures/dapr1_2_03_ht_critvalues/pvalue-computation.pptx
+++ b/dapr1_lectures/dapr1_2_03_ht_critvalues/pvalue-computation.pptx
@@ -275,7 +275,7 @@
           <a:p>
             <a:fld id="{1D0DD3A1-3BCD-C64A-B935-8D78C5FCD975}" type="datetimeFigureOut">
               <a:rPr lang="en-GB" smtClean="0"/>
-              <a:t>30/01/2024</a:t>
+              <a:t>28/01/2025</a:t>
             </a:fld>
             <a:endParaRPr lang="en-GB"/>
           </a:p>
@@ -473,7 +473,7 @@
           <a:p>
             <a:fld id="{1D0DD3A1-3BCD-C64A-B935-8D78C5FCD975}" type="datetimeFigureOut">
               <a:rPr lang="en-GB" smtClean="0"/>
-              <a:t>30/01/2024</a:t>
+              <a:t>28/01/2025</a:t>
             </a:fld>
             <a:endParaRPr lang="en-GB"/>
           </a:p>
@@ -681,7 +681,7 @@
           <a:p>
             <a:fld id="{1D0DD3A1-3BCD-C64A-B935-8D78C5FCD975}" type="datetimeFigureOut">
               <a:rPr lang="en-GB" smtClean="0"/>
-              <a:t>30/01/2024</a:t>
+              <a:t>28/01/2025</a:t>
             </a:fld>
             <a:endParaRPr lang="en-GB"/>
           </a:p>
@@ -879,7 +879,7 @@
           <a:p>
             <a:fld id="{1D0DD3A1-3BCD-C64A-B935-8D78C5FCD975}" type="datetimeFigureOut">
               <a:rPr lang="en-GB" smtClean="0"/>
-              <a:t>30/01/2024</a:t>
+              <a:t>28/01/2025</a:t>
             </a:fld>
             <a:endParaRPr lang="en-GB"/>
           </a:p>
@@ -1154,7 +1154,7 @@
           <a:p>
             <a:fld id="{1D0DD3A1-3BCD-C64A-B935-8D78C5FCD975}" type="datetimeFigureOut">
               <a:rPr lang="en-GB" smtClean="0"/>
-              <a:t>30/01/2024</a:t>
+              <a:t>28/01/2025</a:t>
             </a:fld>
             <a:endParaRPr lang="en-GB"/>
           </a:p>
@@ -1419,7 +1419,7 @@
           <a:p>
             <a:fld id="{1D0DD3A1-3BCD-C64A-B935-8D78C5FCD975}" type="datetimeFigureOut">
               <a:rPr lang="en-GB" smtClean="0"/>
-              <a:t>30/01/2024</a:t>
+              <a:t>28/01/2025</a:t>
             </a:fld>
             <a:endParaRPr lang="en-GB"/>
           </a:p>
@@ -1831,7 +1831,7 @@
           <a:p>
             <a:fld id="{1D0DD3A1-3BCD-C64A-B935-8D78C5FCD975}" type="datetimeFigureOut">
               <a:rPr lang="en-GB" smtClean="0"/>
-              <a:t>30/01/2024</a:t>
+              <a:t>28/01/2025</a:t>
             </a:fld>
             <a:endParaRPr lang="en-GB"/>
           </a:p>
@@ -1972,7 +1972,7 @@
           <a:p>
             <a:fld id="{1D0DD3A1-3BCD-C64A-B935-8D78C5FCD975}" type="datetimeFigureOut">
               <a:rPr lang="en-GB" smtClean="0"/>
-              <a:t>30/01/2024</a:t>
+              <a:t>28/01/2025</a:t>
             </a:fld>
             <a:endParaRPr lang="en-GB"/>
           </a:p>
@@ -2085,7 +2085,7 @@
           <a:p>
             <a:fld id="{1D0DD3A1-3BCD-C64A-B935-8D78C5FCD975}" type="datetimeFigureOut">
               <a:rPr lang="en-GB" smtClean="0"/>
-              <a:t>30/01/2024</a:t>
+              <a:t>28/01/2025</a:t>
             </a:fld>
             <a:endParaRPr lang="en-GB"/>
           </a:p>
@@ -2396,7 +2396,7 @@
           <a:p>
             <a:fld id="{1D0DD3A1-3BCD-C64A-B935-8D78C5FCD975}" type="datetimeFigureOut">
               <a:rPr lang="en-GB" smtClean="0"/>
-              <a:t>30/01/2024</a:t>
+              <a:t>28/01/2025</a:t>
             </a:fld>
             <a:endParaRPr lang="en-GB"/>
           </a:p>
@@ -2684,7 +2684,7 @@
           <a:p>
             <a:fld id="{1D0DD3A1-3BCD-C64A-B935-8D78C5FCD975}" type="datetimeFigureOut">
               <a:rPr lang="en-GB" smtClean="0"/>
-              <a:t>30/01/2024</a:t>
+              <a:t>28/01/2025</a:t>
             </a:fld>
             <a:endParaRPr lang="en-GB"/>
           </a:p>
@@ -2925,7 +2925,7 @@
           <a:p>
             <a:fld id="{1D0DD3A1-3BCD-C64A-B935-8D78C5FCD975}" type="datetimeFigureOut">
               <a:rPr lang="en-GB" smtClean="0"/>
-              <a:t>30/01/2024</a:t>
+              <a:t>28/01/2025</a:t>
             </a:fld>
             <a:endParaRPr lang="en-GB"/>
           </a:p>

--- a/dapr1_lectures/dapr1_2_03_ht_critvalues/pvalue-computation.pptx
+++ b/dapr1_lectures/dapr1_2_03_ht_critvalues/pvalue-computation.pptx
@@ -275,7 +275,7 @@
           <a:p>
             <a:fld id="{1D0DD3A1-3BCD-C64A-B935-8D78C5FCD975}" type="datetimeFigureOut">
               <a:rPr lang="en-GB" smtClean="0"/>
-              <a:t>28/01/2025</a:t>
+              <a:t>21/01/2026</a:t>
             </a:fld>
             <a:endParaRPr lang="en-GB"/>
           </a:p>
@@ -473,7 +473,7 @@
           <a:p>
             <a:fld id="{1D0DD3A1-3BCD-C64A-B935-8D78C5FCD975}" type="datetimeFigureOut">
               <a:rPr lang="en-GB" smtClean="0"/>
-              <a:t>28/01/2025</a:t>
+              <a:t>21/01/2026</a:t>
             </a:fld>
             <a:endParaRPr lang="en-GB"/>
           </a:p>
@@ -681,7 +681,7 @@
           <a:p>
             <a:fld id="{1D0DD3A1-3BCD-C64A-B935-8D78C5FCD975}" type="datetimeFigureOut">
               <a:rPr lang="en-GB" smtClean="0"/>
-              <a:t>28/01/2025</a:t>
+              <a:t>21/01/2026</a:t>
             </a:fld>
             <a:endParaRPr lang="en-GB"/>
           </a:p>
@@ -879,7 +879,7 @@
           <a:p>
             <a:fld id="{1D0DD3A1-3BCD-C64A-B935-8D78C5FCD975}" type="datetimeFigureOut">
               <a:rPr lang="en-GB" smtClean="0"/>
-              <a:t>28/01/2025</a:t>
+              <a:t>21/01/2026</a:t>
             </a:fld>
             <a:endParaRPr lang="en-GB"/>
           </a:p>
@@ -1154,7 +1154,7 @@
           <a:p>
             <a:fld id="{1D0DD3A1-3BCD-C64A-B935-8D78C5FCD975}" type="datetimeFigureOut">
               <a:rPr lang="en-GB" smtClean="0"/>
-              <a:t>28/01/2025</a:t>
+              <a:t>21/01/2026</a:t>
             </a:fld>
             <a:endParaRPr lang="en-GB"/>
           </a:p>
@@ -1419,7 +1419,7 @@
           <a:p>
             <a:fld id="{1D0DD3A1-3BCD-C64A-B935-8D78C5FCD975}" type="datetimeFigureOut">
               <a:rPr lang="en-GB" smtClean="0"/>
-              <a:t>28/01/2025</a:t>
+              <a:t>21/01/2026</a:t>
             </a:fld>
             <a:endParaRPr lang="en-GB"/>
           </a:p>
@@ -1831,7 +1831,7 @@
           <a:p>
             <a:fld id="{1D0DD3A1-3BCD-C64A-B935-8D78C5FCD975}" type="datetimeFigureOut">
               <a:rPr lang="en-GB" smtClean="0"/>
-              <a:t>28/01/2025</a:t>
+              <a:t>21/01/2026</a:t>
             </a:fld>
             <a:endParaRPr lang="en-GB"/>
           </a:p>
@@ -1972,7 +1972,7 @@
           <a:p>
             <a:fld id="{1D0DD3A1-3BCD-C64A-B935-8D78C5FCD975}" type="datetimeFigureOut">
               <a:rPr lang="en-GB" smtClean="0"/>
-              <a:t>28/01/2025</a:t>
+              <a:t>21/01/2026</a:t>
             </a:fld>
             <a:endParaRPr lang="en-GB"/>
           </a:p>
@@ -2085,7 +2085,7 @@
           <a:p>
             <a:fld id="{1D0DD3A1-3BCD-C64A-B935-8D78C5FCD975}" type="datetimeFigureOut">
               <a:rPr lang="en-GB" smtClean="0"/>
-              <a:t>28/01/2025</a:t>
+              <a:t>21/01/2026</a:t>
             </a:fld>
             <a:endParaRPr lang="en-GB"/>
           </a:p>
@@ -2396,7 +2396,7 @@
           <a:p>
             <a:fld id="{1D0DD3A1-3BCD-C64A-B935-8D78C5FCD975}" type="datetimeFigureOut">
               <a:rPr lang="en-GB" smtClean="0"/>
-              <a:t>28/01/2025</a:t>
+              <a:t>21/01/2026</a:t>
             </a:fld>
             <a:endParaRPr lang="en-GB"/>
           </a:p>
@@ -2684,7 +2684,7 @@
           <a:p>
             <a:fld id="{1D0DD3A1-3BCD-C64A-B935-8D78C5FCD975}" type="datetimeFigureOut">
               <a:rPr lang="en-GB" smtClean="0"/>
-              <a:t>28/01/2025</a:t>
+              <a:t>21/01/2026</a:t>
             </a:fld>
             <a:endParaRPr lang="en-GB"/>
           </a:p>
@@ -2925,7 +2925,7 @@
           <a:p>
             <a:fld id="{1D0DD3A1-3BCD-C64A-B935-8D78C5FCD975}" type="datetimeFigureOut">
               <a:rPr lang="en-GB" smtClean="0"/>
-              <a:t>28/01/2025</a:t>
+              <a:t>21/01/2026</a:t>
             </a:fld>
             <a:endParaRPr lang="en-GB"/>
           </a:p>
@@ -3358,40 +3358,68 @@
             <p:ph type="ctrTitle"/>
           </p:nvPr>
         </p:nvSpPr>
-        <p:spPr/>
+        <p:spPr>
+          <a:xfrm>
+            <a:off x="856593" y="1132873"/>
+            <a:ext cx="10478813" cy="3218409"/>
+          </a:xfrm>
+        </p:spPr>
+        <p:txBody>
+          <a:bodyPr>
+            <a:normAutofit/>
+          </a:bodyPr>
+          <a:lstStyle/>
+          <a:p>
+            <a:pPr>
+              <a:lnSpc>
+                <a:spcPct val="100000"/>
+              </a:lnSpc>
+            </a:pPr>
+            <a:r>
+              <a:rPr lang="en-GB" dirty="0"/>
+              <a:t>Review of p-value computation</a:t>
+            </a:r>
+            <a:br>
+              <a:rPr lang="en-GB" dirty="0"/>
+            </a:br>
+            <a:r>
+              <a:rPr lang="en-GB" sz="3200" dirty="0"/>
+              <a:t>Data Analysis for Psychology in R1</a:t>
+            </a:r>
+            <a:endParaRPr lang="en-GB" dirty="0"/>
+          </a:p>
+        </p:txBody>
+      </p:sp>
+      <p:sp>
+        <p:nvSpPr>
+          <p:cNvPr id="5" name="Subtitle 4">
+            <a:extLst>
+              <a:ext uri="{FF2B5EF4-FFF2-40B4-BE49-F238E27FC236}">
+                <a16:creationId xmlns:a16="http://schemas.microsoft.com/office/drawing/2014/main" id="{B59ACF04-D75A-013B-9CB1-05937D28BC4A}"/>
+              </a:ext>
+            </a:extLst>
+          </p:cNvPr>
+          <p:cNvSpPr>
+            <a:spLocks noGrp="1"/>
+          </p:cNvSpPr>
+          <p:nvPr>
+            <p:ph type="subTitle" idx="1"/>
+          </p:nvPr>
+        </p:nvSpPr>
+        <p:spPr>
+          <a:xfrm>
+            <a:off x="1524000" y="4916536"/>
+            <a:ext cx="9144000" cy="961373"/>
+          </a:xfrm>
+        </p:spPr>
         <p:txBody>
           <a:bodyPr/>
           <a:lstStyle/>
           <a:p>
             <a:r>
               <a:rPr lang="en-GB" dirty="0"/>
-              <a:t>Review of p-value computation</a:t>
-            </a:r>
-          </a:p>
-        </p:txBody>
-      </p:sp>
-      <p:sp>
-        <p:nvSpPr>
-          <p:cNvPr id="5" name="Subtitle 4">
-            <a:extLst>
-              <a:ext uri="{FF2B5EF4-FFF2-40B4-BE49-F238E27FC236}">
-                <a16:creationId xmlns:a16="http://schemas.microsoft.com/office/drawing/2014/main" id="{B59ACF04-D75A-013B-9CB1-05937D28BC4A}"/>
-              </a:ext>
-            </a:extLst>
-          </p:cNvPr>
-          <p:cNvSpPr>
-            <a:spLocks noGrp="1"/>
-          </p:cNvSpPr>
-          <p:nvPr>
-            <p:ph type="subTitle" idx="1"/>
-          </p:nvPr>
-        </p:nvSpPr>
-        <p:spPr/>
-        <p:txBody>
-          <a:bodyPr/>
-          <a:lstStyle/>
-          <a:p>
-            <a:endParaRPr lang="en-GB" dirty="0"/>
+              <a:t>Dr Umberto Noe</a:t>
+            </a:r>
           </a:p>
         </p:txBody>
       </p:sp>
@@ -3557,8 +3585,8 @@
         </p:nvSpPr>
         <p:spPr>
           <a:xfrm>
-            <a:off x="2752476" y="5726049"/>
-            <a:ext cx="4626779" cy="461665"/>
+            <a:off x="1049800" y="5891137"/>
+            <a:ext cx="6471643" cy="461665"/>
           </a:xfrm>
           <a:prstGeom prst="rect">
             <a:avLst/>
@@ -3578,6 +3606,8 @@
                     <a:lumMod val="75000"/>
                   </a:schemeClr>
                 </a:solidFill>
+                <a:latin typeface="Consolas" panose="020B0609020204030204" pitchFamily="49" charset="0"/>
+                <a:cs typeface="Consolas" panose="020B0609020204030204" pitchFamily="49" charset="0"/>
               </a:rPr>
               <a:t>pt</a:t>
             </a:r>
@@ -3588,6 +3618,8 @@
                     <a:lumMod val="75000"/>
                   </a:schemeClr>
                 </a:solidFill>
+                <a:latin typeface="Consolas" panose="020B0609020204030204" pitchFamily="49" charset="0"/>
+                <a:cs typeface="Consolas" panose="020B0609020204030204" pitchFamily="49" charset="0"/>
               </a:rPr>
               <a:t>(</a:t>
             </a:r>
@@ -3598,6 +3630,8 @@
                     <a:lumMod val="75000"/>
                   </a:schemeClr>
                 </a:solidFill>
+                <a:latin typeface="Consolas" panose="020B0609020204030204" pitchFamily="49" charset="0"/>
+                <a:cs typeface="Consolas" panose="020B0609020204030204" pitchFamily="49" charset="0"/>
               </a:rPr>
               <a:t>tobs</a:t>
             </a:r>
@@ -3608,6 +3642,8 @@
                     <a:lumMod val="75000"/>
                   </a:schemeClr>
                 </a:solidFill>
+                <a:latin typeface="Consolas" panose="020B0609020204030204" pitchFamily="49" charset="0"/>
+                <a:cs typeface="Consolas" panose="020B0609020204030204" pitchFamily="49" charset="0"/>
               </a:rPr>
               <a:t>, </a:t>
             </a:r>
@@ -3618,6 +3654,8 @@
                     <a:lumMod val="75000"/>
                   </a:schemeClr>
                 </a:solidFill>
+                <a:latin typeface="Consolas" panose="020B0609020204030204" pitchFamily="49" charset="0"/>
+                <a:cs typeface="Consolas" panose="020B0609020204030204" pitchFamily="49" charset="0"/>
               </a:rPr>
               <a:t>df</a:t>
             </a:r>
@@ -3628,6 +3666,8 @@
                     <a:lumMod val="75000"/>
                   </a:schemeClr>
                 </a:solidFill>
+                <a:latin typeface="Consolas" panose="020B0609020204030204" pitchFamily="49" charset="0"/>
+                <a:cs typeface="Consolas" panose="020B0609020204030204" pitchFamily="49" charset="0"/>
               </a:rPr>
               <a:t> = n-1, </a:t>
             </a:r>
@@ -3638,6 +3678,8 @@
                     <a:lumMod val="75000"/>
                   </a:schemeClr>
                 </a:solidFill>
+                <a:latin typeface="Consolas" panose="020B0609020204030204" pitchFamily="49" charset="0"/>
+                <a:cs typeface="Consolas" panose="020B0609020204030204" pitchFamily="49" charset="0"/>
               </a:rPr>
               <a:t>lower.tail</a:t>
             </a:r>
@@ -3648,6 +3690,8 @@
                     <a:lumMod val="75000"/>
                   </a:schemeClr>
                 </a:solidFill>
+                <a:latin typeface="Consolas" panose="020B0609020204030204" pitchFamily="49" charset="0"/>
+                <a:cs typeface="Consolas" panose="020B0609020204030204" pitchFamily="49" charset="0"/>
               </a:rPr>
               <a:t> = TRUE)</a:t>
             </a:r>
@@ -3939,8 +3983,8 @@
         </p:nvSpPr>
         <p:spPr>
           <a:xfrm>
-            <a:off x="6797345" y="5935985"/>
-            <a:ext cx="4686283" cy="461665"/>
+            <a:off x="5231304" y="6010811"/>
+            <a:ext cx="6641562" cy="461665"/>
           </a:xfrm>
           <a:prstGeom prst="rect">
             <a:avLst/>
@@ -3960,6 +4004,8 @@
                     <a:lumMod val="75000"/>
                   </a:schemeClr>
                 </a:solidFill>
+                <a:latin typeface="Consolas" panose="020B0609020204030204" pitchFamily="49" charset="0"/>
+                <a:cs typeface="Consolas" panose="020B0609020204030204" pitchFamily="49" charset="0"/>
               </a:rPr>
               <a:t>pt</a:t>
             </a:r>
@@ -3970,6 +4016,8 @@
                     <a:lumMod val="75000"/>
                   </a:schemeClr>
                 </a:solidFill>
+                <a:latin typeface="Consolas" panose="020B0609020204030204" pitchFamily="49" charset="0"/>
+                <a:cs typeface="Consolas" panose="020B0609020204030204" pitchFamily="49" charset="0"/>
               </a:rPr>
               <a:t>(</a:t>
             </a:r>
@@ -3980,6 +4028,8 @@
                     <a:lumMod val="75000"/>
                   </a:schemeClr>
                 </a:solidFill>
+                <a:latin typeface="Consolas" panose="020B0609020204030204" pitchFamily="49" charset="0"/>
+                <a:cs typeface="Consolas" panose="020B0609020204030204" pitchFamily="49" charset="0"/>
               </a:rPr>
               <a:t>tobs</a:t>
             </a:r>
@@ -3990,6 +4040,8 @@
                     <a:lumMod val="75000"/>
                   </a:schemeClr>
                 </a:solidFill>
+                <a:latin typeface="Consolas" panose="020B0609020204030204" pitchFamily="49" charset="0"/>
+                <a:cs typeface="Consolas" panose="020B0609020204030204" pitchFamily="49" charset="0"/>
               </a:rPr>
               <a:t>, </a:t>
             </a:r>
@@ -4000,6 +4052,8 @@
                     <a:lumMod val="75000"/>
                   </a:schemeClr>
                 </a:solidFill>
+                <a:latin typeface="Consolas" panose="020B0609020204030204" pitchFamily="49" charset="0"/>
+                <a:cs typeface="Consolas" panose="020B0609020204030204" pitchFamily="49" charset="0"/>
               </a:rPr>
               <a:t>df</a:t>
             </a:r>
@@ -4010,6 +4064,8 @@
                     <a:lumMod val="75000"/>
                   </a:schemeClr>
                 </a:solidFill>
+                <a:latin typeface="Consolas" panose="020B0609020204030204" pitchFamily="49" charset="0"/>
+                <a:cs typeface="Consolas" panose="020B0609020204030204" pitchFamily="49" charset="0"/>
               </a:rPr>
               <a:t> = n-1, </a:t>
             </a:r>
@@ -4020,6 +4076,8 @@
                     <a:lumMod val="75000"/>
                   </a:schemeClr>
                 </a:solidFill>
+                <a:latin typeface="Consolas" panose="020B0609020204030204" pitchFamily="49" charset="0"/>
+                <a:cs typeface="Consolas" panose="020B0609020204030204" pitchFamily="49" charset="0"/>
               </a:rPr>
               <a:t>lower.tail</a:t>
             </a:r>
@@ -4030,6 +4088,8 @@
                     <a:lumMod val="75000"/>
                   </a:schemeClr>
                 </a:solidFill>
+                <a:latin typeface="Consolas" panose="020B0609020204030204" pitchFamily="49" charset="0"/>
+                <a:cs typeface="Consolas" panose="020B0609020204030204" pitchFamily="49" charset="0"/>
               </a:rPr>
               <a:t> = FALSE)</a:t>
             </a:r>
@@ -4321,8 +4381,8 @@
         </p:nvSpPr>
         <p:spPr>
           <a:xfrm>
-            <a:off x="6127494" y="5752481"/>
-            <a:ext cx="5765233" cy="461665"/>
+            <a:off x="3490088" y="5834549"/>
+            <a:ext cx="8170827" cy="461665"/>
           </a:xfrm>
           <a:prstGeom prst="rect">
             <a:avLst/>
@@ -4342,6 +4402,8 @@
                     <a:lumMod val="75000"/>
                   </a:schemeClr>
                 </a:solidFill>
+                <a:latin typeface="Consolas" panose="020B0609020204030204" pitchFamily="49" charset="0"/>
+                <a:cs typeface="Consolas" panose="020B0609020204030204" pitchFamily="49" charset="0"/>
               </a:rPr>
               <a:t>2 * </a:t>
             </a:r>
@@ -4352,6 +4414,8 @@
                     <a:lumMod val="75000"/>
                   </a:schemeClr>
                 </a:solidFill>
+                <a:latin typeface="Consolas" panose="020B0609020204030204" pitchFamily="49" charset="0"/>
+                <a:cs typeface="Consolas" panose="020B0609020204030204" pitchFamily="49" charset="0"/>
               </a:rPr>
               <a:t>pt</a:t>
             </a:r>
@@ -4362,6 +4426,8 @@
                     <a:lumMod val="75000"/>
                   </a:schemeClr>
                 </a:solidFill>
+                <a:latin typeface="Consolas" panose="020B0609020204030204" pitchFamily="49" charset="0"/>
+                <a:cs typeface="Consolas" panose="020B0609020204030204" pitchFamily="49" charset="0"/>
               </a:rPr>
               <a:t>(abs(</a:t>
             </a:r>
@@ -4372,6 +4438,8 @@
                     <a:lumMod val="75000"/>
                   </a:schemeClr>
                 </a:solidFill>
+                <a:latin typeface="Consolas" panose="020B0609020204030204" pitchFamily="49" charset="0"/>
+                <a:cs typeface="Consolas" panose="020B0609020204030204" pitchFamily="49" charset="0"/>
               </a:rPr>
               <a:t>tobs</a:t>
             </a:r>
@@ -4382,6 +4450,8 @@
                     <a:lumMod val="75000"/>
                   </a:schemeClr>
                 </a:solidFill>
+                <a:latin typeface="Consolas" panose="020B0609020204030204" pitchFamily="49" charset="0"/>
+                <a:cs typeface="Consolas" panose="020B0609020204030204" pitchFamily="49" charset="0"/>
               </a:rPr>
               <a:t>), </a:t>
             </a:r>
@@ -4392,6 +4462,8 @@
                     <a:lumMod val="75000"/>
                   </a:schemeClr>
                 </a:solidFill>
+                <a:latin typeface="Consolas" panose="020B0609020204030204" pitchFamily="49" charset="0"/>
+                <a:cs typeface="Consolas" panose="020B0609020204030204" pitchFamily="49" charset="0"/>
               </a:rPr>
               <a:t>df</a:t>
             </a:r>
@@ -4402,6 +4474,8 @@
                     <a:lumMod val="75000"/>
                   </a:schemeClr>
                 </a:solidFill>
+                <a:latin typeface="Consolas" panose="020B0609020204030204" pitchFamily="49" charset="0"/>
+                <a:cs typeface="Consolas" panose="020B0609020204030204" pitchFamily="49" charset="0"/>
               </a:rPr>
               <a:t> = n-1, </a:t>
             </a:r>
@@ -4412,6 +4486,8 @@
                     <a:lumMod val="75000"/>
                   </a:schemeClr>
                 </a:solidFill>
+                <a:latin typeface="Consolas" panose="020B0609020204030204" pitchFamily="49" charset="0"/>
+                <a:cs typeface="Consolas" panose="020B0609020204030204" pitchFamily="49" charset="0"/>
               </a:rPr>
               <a:t>lower.tail</a:t>
             </a:r>
@@ -4422,6 +4498,8 @@
                     <a:lumMod val="75000"/>
                   </a:schemeClr>
                 </a:solidFill>
+                <a:latin typeface="Consolas" panose="020B0609020204030204" pitchFamily="49" charset="0"/>
+                <a:cs typeface="Consolas" panose="020B0609020204030204" pitchFamily="49" charset="0"/>
               </a:rPr>
               <a:t> = FALSE)</a:t>
             </a:r>
@@ -4997,8 +5075,8 @@
         </p:nvSpPr>
         <p:spPr>
           <a:xfrm>
-            <a:off x="836467" y="6049334"/>
-            <a:ext cx="4626779" cy="461665"/>
+            <a:off x="489626" y="6049334"/>
+            <a:ext cx="6471643" cy="461665"/>
           </a:xfrm>
           <a:prstGeom prst="rect">
             <a:avLst/>
@@ -5018,6 +5096,8 @@
                     <a:lumMod val="75000"/>
                   </a:schemeClr>
                 </a:solidFill>
+                <a:latin typeface="Consolas" panose="020B0609020204030204" pitchFamily="49" charset="0"/>
+                <a:cs typeface="Consolas" panose="020B0609020204030204" pitchFamily="49" charset="0"/>
               </a:rPr>
               <a:t>pt</a:t>
             </a:r>
@@ -5028,6 +5108,8 @@
                     <a:lumMod val="75000"/>
                   </a:schemeClr>
                 </a:solidFill>
+                <a:latin typeface="Consolas" panose="020B0609020204030204" pitchFamily="49" charset="0"/>
+                <a:cs typeface="Consolas" panose="020B0609020204030204" pitchFamily="49" charset="0"/>
               </a:rPr>
               <a:t>(</a:t>
             </a:r>
@@ -5038,6 +5120,8 @@
                     <a:lumMod val="75000"/>
                   </a:schemeClr>
                 </a:solidFill>
+                <a:latin typeface="Consolas" panose="020B0609020204030204" pitchFamily="49" charset="0"/>
+                <a:cs typeface="Consolas" panose="020B0609020204030204" pitchFamily="49" charset="0"/>
               </a:rPr>
               <a:t>tobs</a:t>
             </a:r>
@@ -5048,6 +5132,8 @@
                     <a:lumMod val="75000"/>
                   </a:schemeClr>
                 </a:solidFill>
+                <a:latin typeface="Consolas" panose="020B0609020204030204" pitchFamily="49" charset="0"/>
+                <a:cs typeface="Consolas" panose="020B0609020204030204" pitchFamily="49" charset="0"/>
               </a:rPr>
               <a:t>, </a:t>
             </a:r>
@@ -5058,6 +5144,8 @@
                     <a:lumMod val="75000"/>
                   </a:schemeClr>
                 </a:solidFill>
+                <a:latin typeface="Consolas" panose="020B0609020204030204" pitchFamily="49" charset="0"/>
+                <a:cs typeface="Consolas" panose="020B0609020204030204" pitchFamily="49" charset="0"/>
               </a:rPr>
               <a:t>df</a:t>
             </a:r>
@@ -5068,6 +5156,8 @@
                     <a:lumMod val="75000"/>
                   </a:schemeClr>
                 </a:solidFill>
+                <a:latin typeface="Consolas" panose="020B0609020204030204" pitchFamily="49" charset="0"/>
+                <a:cs typeface="Consolas" panose="020B0609020204030204" pitchFamily="49" charset="0"/>
               </a:rPr>
               <a:t> = n-1, </a:t>
             </a:r>
@@ -5078,6 +5168,8 @@
                     <a:lumMod val="75000"/>
                   </a:schemeClr>
                 </a:solidFill>
+                <a:latin typeface="Consolas" panose="020B0609020204030204" pitchFamily="49" charset="0"/>
+                <a:cs typeface="Consolas" panose="020B0609020204030204" pitchFamily="49" charset="0"/>
               </a:rPr>
               <a:t>lower.tail</a:t>
             </a:r>
@@ -5088,6 +5180,8 @@
                     <a:lumMod val="75000"/>
                   </a:schemeClr>
                 </a:solidFill>
+                <a:latin typeface="Consolas" panose="020B0609020204030204" pitchFamily="49" charset="0"/>
+                <a:cs typeface="Consolas" panose="020B0609020204030204" pitchFamily="49" charset="0"/>
               </a:rPr>
               <a:t> = TRUE)</a:t>
             </a:r>
@@ -5373,7 +5467,7 @@
         <p:spPr>
           <a:xfrm>
             <a:off x="5143948" y="5960416"/>
-            <a:ext cx="4686283" cy="461665"/>
+            <a:ext cx="6641562" cy="461665"/>
           </a:xfrm>
           <a:prstGeom prst="rect">
             <a:avLst/>
@@ -5393,6 +5487,8 @@
                     <a:lumMod val="75000"/>
                   </a:schemeClr>
                 </a:solidFill>
+                <a:latin typeface="Consolas" panose="020B0609020204030204" pitchFamily="49" charset="0"/>
+                <a:cs typeface="Consolas" panose="020B0609020204030204" pitchFamily="49" charset="0"/>
               </a:rPr>
               <a:t>pt</a:t>
             </a:r>
@@ -5403,6 +5499,8 @@
                     <a:lumMod val="75000"/>
                   </a:schemeClr>
                 </a:solidFill>
+                <a:latin typeface="Consolas" panose="020B0609020204030204" pitchFamily="49" charset="0"/>
+                <a:cs typeface="Consolas" panose="020B0609020204030204" pitchFamily="49" charset="0"/>
               </a:rPr>
               <a:t>(</a:t>
             </a:r>
@@ -5413,6 +5511,8 @@
                     <a:lumMod val="75000"/>
                   </a:schemeClr>
                 </a:solidFill>
+                <a:latin typeface="Consolas" panose="020B0609020204030204" pitchFamily="49" charset="0"/>
+                <a:cs typeface="Consolas" panose="020B0609020204030204" pitchFamily="49" charset="0"/>
               </a:rPr>
               <a:t>tobs</a:t>
             </a:r>
@@ -5423,6 +5523,8 @@
                     <a:lumMod val="75000"/>
                   </a:schemeClr>
                 </a:solidFill>
+                <a:latin typeface="Consolas" panose="020B0609020204030204" pitchFamily="49" charset="0"/>
+                <a:cs typeface="Consolas" panose="020B0609020204030204" pitchFamily="49" charset="0"/>
               </a:rPr>
               <a:t>, </a:t>
             </a:r>
@@ -5433,6 +5535,8 @@
                     <a:lumMod val="75000"/>
                   </a:schemeClr>
                 </a:solidFill>
+                <a:latin typeface="Consolas" panose="020B0609020204030204" pitchFamily="49" charset="0"/>
+                <a:cs typeface="Consolas" panose="020B0609020204030204" pitchFamily="49" charset="0"/>
               </a:rPr>
               <a:t>df</a:t>
             </a:r>
@@ -5443,6 +5547,8 @@
                     <a:lumMod val="75000"/>
                   </a:schemeClr>
                 </a:solidFill>
+                <a:latin typeface="Consolas" panose="020B0609020204030204" pitchFamily="49" charset="0"/>
+                <a:cs typeface="Consolas" panose="020B0609020204030204" pitchFamily="49" charset="0"/>
               </a:rPr>
               <a:t> = n-1, </a:t>
             </a:r>
@@ -5453,6 +5559,8 @@
                     <a:lumMod val="75000"/>
                   </a:schemeClr>
                 </a:solidFill>
+                <a:latin typeface="Consolas" panose="020B0609020204030204" pitchFamily="49" charset="0"/>
+                <a:cs typeface="Consolas" panose="020B0609020204030204" pitchFamily="49" charset="0"/>
               </a:rPr>
               <a:t>lower.tail</a:t>
             </a:r>
@@ -5463,6 +5571,8 @@
                     <a:lumMod val="75000"/>
                   </a:schemeClr>
                 </a:solidFill>
+                <a:latin typeface="Consolas" panose="020B0609020204030204" pitchFamily="49" charset="0"/>
+                <a:cs typeface="Consolas" panose="020B0609020204030204" pitchFamily="49" charset="0"/>
               </a:rPr>
               <a:t> = FALSE)</a:t>
             </a:r>
@@ -5755,8 +5865,8 @@
         </p:nvSpPr>
         <p:spPr>
           <a:xfrm>
-            <a:off x="5864553" y="6053373"/>
-            <a:ext cx="5765233" cy="461665"/>
+            <a:off x="3615339" y="6128402"/>
+            <a:ext cx="8170827" cy="461665"/>
           </a:xfrm>
           <a:prstGeom prst="rect">
             <a:avLst/>
@@ -5776,6 +5886,8 @@
                     <a:lumMod val="75000"/>
                   </a:schemeClr>
                 </a:solidFill>
+                <a:latin typeface="Consolas" panose="020B0609020204030204" pitchFamily="49" charset="0"/>
+                <a:cs typeface="Consolas" panose="020B0609020204030204" pitchFamily="49" charset="0"/>
               </a:rPr>
               <a:t>2 * </a:t>
             </a:r>
@@ -5786,6 +5898,8 @@
                     <a:lumMod val="75000"/>
                   </a:schemeClr>
                 </a:solidFill>
+                <a:latin typeface="Consolas" panose="020B0609020204030204" pitchFamily="49" charset="0"/>
+                <a:cs typeface="Consolas" panose="020B0609020204030204" pitchFamily="49" charset="0"/>
               </a:rPr>
               <a:t>pt</a:t>
             </a:r>
@@ -5796,6 +5910,8 @@
                     <a:lumMod val="75000"/>
                   </a:schemeClr>
                 </a:solidFill>
+                <a:latin typeface="Consolas" panose="020B0609020204030204" pitchFamily="49" charset="0"/>
+                <a:cs typeface="Consolas" panose="020B0609020204030204" pitchFamily="49" charset="0"/>
               </a:rPr>
               <a:t>(abs(</a:t>
             </a:r>
@@ -5806,6 +5922,8 @@
                     <a:lumMod val="75000"/>
                   </a:schemeClr>
                 </a:solidFill>
+                <a:latin typeface="Consolas" panose="020B0609020204030204" pitchFamily="49" charset="0"/>
+                <a:cs typeface="Consolas" panose="020B0609020204030204" pitchFamily="49" charset="0"/>
               </a:rPr>
               <a:t>tobs</a:t>
             </a:r>
@@ -5816,6 +5934,8 @@
                     <a:lumMod val="75000"/>
                   </a:schemeClr>
                 </a:solidFill>
+                <a:latin typeface="Consolas" panose="020B0609020204030204" pitchFamily="49" charset="0"/>
+                <a:cs typeface="Consolas" panose="020B0609020204030204" pitchFamily="49" charset="0"/>
               </a:rPr>
               <a:t>), </a:t>
             </a:r>
@@ -5826,6 +5946,8 @@
                     <a:lumMod val="75000"/>
                   </a:schemeClr>
                 </a:solidFill>
+                <a:latin typeface="Consolas" panose="020B0609020204030204" pitchFamily="49" charset="0"/>
+                <a:cs typeface="Consolas" panose="020B0609020204030204" pitchFamily="49" charset="0"/>
               </a:rPr>
               <a:t>df</a:t>
             </a:r>
@@ -5836,6 +5958,8 @@
                     <a:lumMod val="75000"/>
                   </a:schemeClr>
                 </a:solidFill>
+                <a:latin typeface="Consolas" panose="020B0609020204030204" pitchFamily="49" charset="0"/>
+                <a:cs typeface="Consolas" panose="020B0609020204030204" pitchFamily="49" charset="0"/>
               </a:rPr>
               <a:t> = n-1, </a:t>
             </a:r>
@@ -5846,6 +5970,8 @@
                     <a:lumMod val="75000"/>
                   </a:schemeClr>
                 </a:solidFill>
+                <a:latin typeface="Consolas" panose="020B0609020204030204" pitchFamily="49" charset="0"/>
+                <a:cs typeface="Consolas" panose="020B0609020204030204" pitchFamily="49" charset="0"/>
               </a:rPr>
               <a:t>lower.tail</a:t>
             </a:r>
@@ -5856,6 +5982,8 @@
                     <a:lumMod val="75000"/>
                   </a:schemeClr>
                 </a:solidFill>
+                <a:latin typeface="Consolas" panose="020B0609020204030204" pitchFamily="49" charset="0"/>
+                <a:cs typeface="Consolas" panose="020B0609020204030204" pitchFamily="49" charset="0"/>
               </a:rPr>
               <a:t> = FALSE)</a:t>
             </a:r>
